--- a/Presentation slides/Presentazione.pptx
+++ b/Presentation slides/Presentazione.pptx
@@ -8432,7 +8432,29 @@
                 <a:ea typeface="Source Sans Pro" charset="0"/>
                 <a:cs typeface="Source Sans Pro" charset="0"/>
               </a:rPr>
-              <a:t>Per il parsing dei comandi da linea di comando viene utilizzata una ridotta libreria derivante da Argp di GNU.</a:t>
+              <a:t>Per il parsing dei comandi da linea di comando viene utilizzata una ridotta libreria derivante da </a:t>
+            </a:r>
+            <a:r>
+              <a:rPr lang="it-IT" sz="1600" b="1" dirty="0" smtClean="0">
+                <a:solidFill>
+                  <a:srgbClr val="263137"/>
+                </a:solidFill>
+                <a:latin typeface="Source Sans Pro" charset="0"/>
+                <a:ea typeface="Source Sans Pro" charset="0"/>
+                <a:cs typeface="Source Sans Pro" charset="0"/>
+              </a:rPr>
+              <a:t>Argp</a:t>
+            </a:r>
+            <a:r>
+              <a:rPr lang="it-IT" sz="1600" dirty="0" smtClean="0">
+                <a:solidFill>
+                  <a:schemeClr val="tx1"/>
+                </a:solidFill>
+                <a:latin typeface="Source Sans Pro" charset="0"/>
+                <a:ea typeface="Source Sans Pro" charset="0"/>
+                <a:cs typeface="Source Sans Pro" charset="0"/>
+              </a:rPr>
+              <a:t> di GNU.</a:t>
             </a:r>
           </a:p>
           <a:p>
@@ -8455,7 +8477,51 @@
                 <a:ea typeface="Source Sans Pro" charset="0"/>
                 <a:cs typeface="Source Sans Pro" charset="0"/>
               </a:rPr>
-              <a:t>Le opzioni utilizzabili sono passati alla funzione argp_parse la quale, attraverso un registro di stato e la funzione parse_opt si occupa di effettuare il parsing in modo elegante e sicuro modificando gli argomenti di esecuzione.</a:t>
+              <a:t>Le opzioni utilizzabili sono passati alla funzione </a:t>
+            </a:r>
+            <a:r>
+              <a:rPr lang="it-IT" sz="1600" b="1" dirty="0" smtClean="0">
+                <a:solidFill>
+                  <a:srgbClr val="263137"/>
+                </a:solidFill>
+                <a:latin typeface="Source Sans Pro" charset="0"/>
+                <a:ea typeface="Source Sans Pro" charset="0"/>
+                <a:cs typeface="Source Sans Pro" charset="0"/>
+              </a:rPr>
+              <a:t>argp_parse</a:t>
+            </a:r>
+            <a:r>
+              <a:rPr lang="it-IT" sz="1600" dirty="0" smtClean="0">
+                <a:solidFill>
+                  <a:schemeClr val="tx1"/>
+                </a:solidFill>
+                <a:latin typeface="Source Sans Pro" charset="0"/>
+                <a:ea typeface="Source Sans Pro" charset="0"/>
+                <a:cs typeface="Source Sans Pro" charset="0"/>
+              </a:rPr>
+              <a:t> la quale, attraverso un registro di stato e la funzione </a:t>
+            </a:r>
+            <a:r>
+              <a:rPr lang="it-IT" sz="1600" b="1" dirty="0" smtClean="0">
+                <a:solidFill>
+                  <a:srgbClr val="263137"/>
+                </a:solidFill>
+                <a:latin typeface="Source Sans Pro" charset="0"/>
+                <a:ea typeface="Source Sans Pro" charset="0"/>
+                <a:cs typeface="Source Sans Pro" charset="0"/>
+              </a:rPr>
+              <a:t>parse_opt</a:t>
+            </a:r>
+            <a:r>
+              <a:rPr lang="it-IT" sz="1600" dirty="0" smtClean="0">
+                <a:solidFill>
+                  <a:schemeClr val="tx1"/>
+                </a:solidFill>
+                <a:latin typeface="Source Sans Pro" charset="0"/>
+                <a:ea typeface="Source Sans Pro" charset="0"/>
+                <a:cs typeface="Source Sans Pro" charset="0"/>
+              </a:rPr>
+              <a:t> si occupa di effettuare il parsing in modo elegante e sicuro modificando gli argomenti di esecuzione.</a:t>
             </a:r>
             <a:endParaRPr lang="en" sz="1600" dirty="0">
               <a:solidFill>
@@ -10792,56 +10858,6 @@
       </p:sp>
       <p:sp>
         <p:nvSpPr>
-          <p:cNvPr id="18" name="CasellaDiTesto 17"/>
-          <p:cNvSpPr txBox="1"/>
-          <p:nvPr/>
-        </p:nvSpPr>
-        <p:spPr>
-          <a:xfrm>
-            <a:off x="7645400" y="3947703"/>
-            <a:ext cx="635000" cy="276999"/>
-          </a:xfrm>
-          <a:prstGeom prst="rect">
-            <a:avLst/>
-          </a:prstGeom>
-          <a:noFill/>
-          <a:ln w="12700">
-            <a:solidFill>
-              <a:srgbClr val="607C8C"/>
-            </a:solidFill>
-          </a:ln>
-        </p:spPr>
-        <p:txBody>
-          <a:bodyPr wrap="square" rtlCol="0">
-            <a:spAutoFit/>
-          </a:bodyPr>
-          <a:lstStyle/>
-          <a:p>
-            <a:pPr algn="ctr"/>
-            <a:r>
-              <a:rPr lang="it-IT" sz="1200" b="1" dirty="0" smtClean="0">
-                <a:solidFill>
-                  <a:srgbClr val="607C8C"/>
-                </a:solidFill>
-                <a:latin typeface="Roboto Slab" charset="0"/>
-                <a:ea typeface="Roboto Slab" charset="0"/>
-                <a:cs typeface="Roboto Slab" charset="0"/>
-              </a:rPr>
-              <a:t>CODE</a:t>
-            </a:r>
-            <a:endParaRPr lang="it-IT" sz="1200" b="1" dirty="0">
-              <a:solidFill>
-                <a:srgbClr val="607C8C"/>
-              </a:solidFill>
-              <a:latin typeface="Roboto Slab" charset="0"/>
-              <a:ea typeface="Roboto Slab" charset="0"/>
-              <a:cs typeface="Roboto Slab" charset="0"/>
-            </a:endParaRPr>
-          </a:p>
-        </p:txBody>
-      </p:sp>
-      <p:sp>
-        <p:nvSpPr>
           <p:cNvPr id="19" name="CasellaDiTesto 18"/>
           <p:cNvSpPr txBox="1"/>
           <p:nvPr/>
@@ -11101,6 +11117,56 @@
           </a:p>
           <a:p>
             <a:endParaRPr lang="it-IT" dirty="0"/>
+          </a:p>
+        </p:txBody>
+      </p:sp>
+      <p:sp>
+        <p:nvSpPr>
+          <p:cNvPr id="18" name="CasellaDiTesto 17"/>
+          <p:cNvSpPr txBox="1"/>
+          <p:nvPr/>
+        </p:nvSpPr>
+        <p:spPr>
+          <a:xfrm>
+            <a:off x="7645400" y="3947703"/>
+            <a:ext cx="635000" cy="276999"/>
+          </a:xfrm>
+          <a:prstGeom prst="rect">
+            <a:avLst/>
+          </a:prstGeom>
+          <a:noFill/>
+          <a:ln w="12700">
+            <a:solidFill>
+              <a:srgbClr val="607C8C"/>
+            </a:solidFill>
+          </a:ln>
+        </p:spPr>
+        <p:txBody>
+          <a:bodyPr wrap="square" rtlCol="0">
+            <a:spAutoFit/>
+          </a:bodyPr>
+          <a:lstStyle/>
+          <a:p>
+            <a:pPr algn="ctr"/>
+            <a:r>
+              <a:rPr lang="it-IT" sz="1200" b="1" dirty="0" smtClean="0">
+                <a:solidFill>
+                  <a:srgbClr val="607C8C"/>
+                </a:solidFill>
+                <a:latin typeface="Roboto Slab" charset="0"/>
+                <a:ea typeface="Roboto Slab" charset="0"/>
+                <a:cs typeface="Roboto Slab" charset="0"/>
+              </a:rPr>
+              <a:t>CODE</a:t>
+            </a:r>
+            <a:endParaRPr lang="it-IT" sz="1200" b="1" dirty="0">
+              <a:solidFill>
+                <a:srgbClr val="607C8C"/>
+              </a:solidFill>
+              <a:latin typeface="Roboto Slab" charset="0"/>
+              <a:ea typeface="Roboto Slab" charset="0"/>
+              <a:cs typeface="Roboto Slab" charset="0"/>
+            </a:endParaRPr>
           </a:p>
         </p:txBody>
       </p:sp>
@@ -11401,7 +11467,16 @@
                 </a:highlight>
                 <a:latin typeface="Courier New" charset="0"/>
               </a:rPr>
-              <a:t> MAX_NUMBER_SERVERS </a:t>
+              <a:t> </a:t>
+            </a:r>
+            <a:r>
+              <a:rPr lang="it-IT" sz="1200" dirty="0" smtClean="0">
+                <a:highlight>
+                  <a:srgbClr val="FFFFFF"/>
+                </a:highlight>
+                <a:latin typeface="Courier New" charset="0"/>
+              </a:rPr>
+              <a:t>MAX_NUMBER_SERVERS </a:t>
             </a:r>
             <a:r>
               <a:rPr lang="it-IT" sz="1200" b="1" dirty="0">
@@ -11847,6 +11922,14 @@
               </a:rPr>
               <a:t>	  </a:t>
             </a:r>
+            <a:endParaRPr lang="it-IT" sz="1200" dirty="0" smtClean="0">
+              <a:highlight>
+                <a:srgbClr val="FFFFFF"/>
+              </a:highlight>
+              <a:latin typeface="Courier New" charset="0"/>
+            </a:endParaRPr>
+          </a:p>
+          <a:p>
             <a:r>
               <a:rPr lang="it-IT" sz="1200" b="1" dirty="0" smtClean="0">
                 <a:solidFill>
@@ -11857,7 +11940,7 @@
                 </a:highlight>
                 <a:latin typeface="Courier New" charset="0"/>
               </a:rPr>
-              <a:t>(</a:t>
+              <a:t>	  (</a:t>
             </a:r>
             <a:r>
               <a:rPr lang="it-IT" sz="1200" dirty="0" err="1" smtClean="0">
@@ -11872,7 +11955,7 @@
               <a:t>struct</a:t>
             </a:r>
             <a:r>
-              <a:rPr lang="it-IT" sz="1200" dirty="0">
+              <a:rPr lang="it-IT" sz="1200" dirty="0" smtClean="0">
                 <a:highlight>
                   <a:srgbClr val="FFFFFF"/>
                 </a:highlight>
@@ -12413,7 +12496,7 @@
               <a:t> </a:t>
             </a:r>
             <a:r>
-              <a:rPr lang="de-DE" sz="1200" b="1" dirty="0">
+              <a:rPr lang="de-DE" sz="1200" b="1" dirty="0" smtClean="0">
                 <a:solidFill>
                   <a:srgbClr val="000080"/>
                 </a:solidFill>
@@ -12424,14 +12507,6 @@
               </a:rPr>
               <a:t>{</a:t>
             </a:r>
-            <a:endParaRPr lang="de-DE" sz="1200" dirty="0">
-              <a:highlight>
-                <a:srgbClr val="FFFFFF"/>
-              </a:highlight>
-              <a:latin typeface="Courier New" charset="0"/>
-            </a:endParaRPr>
-          </a:p>
-          <a:p>
             <a:endParaRPr lang="de-DE" sz="1200" dirty="0">
               <a:highlight>
                 <a:srgbClr val="FFFFFF"/>
@@ -13999,7 +14074,7 @@
               <a:t>CODE for client TCP </a:t>
             </a:r>
             <a:r>
-              <a:rPr lang="it-IT" sz="1200" dirty="0" err="1">
+              <a:rPr lang="it-IT" sz="1200" dirty="0" err="1" smtClean="0">
                 <a:solidFill>
                   <a:srgbClr val="008000"/>
                 </a:solidFill>
@@ -14010,17 +14085,6 @@
               </a:rPr>
               <a:t>address</a:t>
             </a:r>
-            <a:endParaRPr lang="it-IT" sz="1200" dirty="0">
-              <a:solidFill>
-                <a:srgbClr val="008000"/>
-              </a:solidFill>
-              <a:highlight>
-                <a:srgbClr val="FFFFFF"/>
-              </a:highlight>
-              <a:latin typeface="Courier New" charset="0"/>
-            </a:endParaRPr>
-          </a:p>
-          <a:p>
             <a:endParaRPr lang="it-IT" sz="1200" dirty="0">
               <a:solidFill>
                 <a:srgbClr val="008000"/>
@@ -21281,56 +21345,6 @@
       </p:sp>
       <p:sp>
         <p:nvSpPr>
-          <p:cNvPr id="7" name="CasellaDiTesto 6"/>
-          <p:cNvSpPr txBox="1"/>
-          <p:nvPr/>
-        </p:nvSpPr>
-        <p:spPr>
-          <a:xfrm>
-            <a:off x="4800600" y="4051763"/>
-            <a:ext cx="635000" cy="276999"/>
-          </a:xfrm>
-          <a:prstGeom prst="rect">
-            <a:avLst/>
-          </a:prstGeom>
-          <a:noFill/>
-          <a:ln w="12700">
-            <a:solidFill>
-              <a:srgbClr val="607C8C"/>
-            </a:solidFill>
-          </a:ln>
-        </p:spPr>
-        <p:txBody>
-          <a:bodyPr wrap="square" rtlCol="0">
-            <a:spAutoFit/>
-          </a:bodyPr>
-          <a:lstStyle/>
-          <a:p>
-            <a:pPr algn="ctr"/>
-            <a:r>
-              <a:rPr lang="it-IT" sz="1200" b="1" dirty="0" smtClean="0">
-                <a:solidFill>
-                  <a:srgbClr val="607C8C"/>
-                </a:solidFill>
-                <a:latin typeface="Roboto Slab" charset="0"/>
-                <a:ea typeface="Roboto Slab" charset="0"/>
-                <a:cs typeface="Roboto Slab" charset="0"/>
-              </a:rPr>
-              <a:t>CODE</a:t>
-            </a:r>
-            <a:endParaRPr lang="it-IT" sz="1200" b="1" dirty="0">
-              <a:solidFill>
-                <a:srgbClr val="607C8C"/>
-              </a:solidFill>
-              <a:latin typeface="Roboto Slab" charset="0"/>
-              <a:ea typeface="Roboto Slab" charset="0"/>
-              <a:cs typeface="Roboto Slab" charset="0"/>
-            </a:endParaRPr>
-          </a:p>
-        </p:txBody>
-      </p:sp>
-      <p:sp>
-        <p:nvSpPr>
           <p:cNvPr id="9" name="CasellaDiTesto 8"/>
           <p:cNvSpPr txBox="1"/>
           <p:nvPr/>
@@ -21542,7 +21556,7 @@
         <p:spPr>
           <a:xfrm>
             <a:off x="3308975" y="5478470"/>
-            <a:ext cx="5225425" cy="461665"/>
+            <a:ext cx="5225425" cy="554030"/>
           </a:xfrm>
           <a:prstGeom prst="rect">
             <a:avLst/>
@@ -21556,7 +21570,7 @@
         </p:spPr>
         <p:txBody>
           <a:bodyPr wrap="square" rtlCol="0">
-            <a:spAutoFit/>
+            <a:noAutofit/>
           </a:bodyPr>
           <a:lstStyle/>
           <a:p>
@@ -21773,56 +21787,6 @@
           </a:p>
           <a:p>
             <a:endParaRPr lang="it-IT" sz="1200" dirty="0"/>
-          </a:p>
-        </p:txBody>
-      </p:sp>
-      <p:sp>
-        <p:nvSpPr>
-          <p:cNvPr id="16" name="CasellaDiTesto 15"/>
-          <p:cNvSpPr txBox="1"/>
-          <p:nvPr/>
-        </p:nvSpPr>
-        <p:spPr>
-          <a:xfrm>
-            <a:off x="7899400" y="5663136"/>
-            <a:ext cx="635000" cy="276999"/>
-          </a:xfrm>
-          <a:prstGeom prst="rect">
-            <a:avLst/>
-          </a:prstGeom>
-          <a:noFill/>
-          <a:ln w="12700">
-            <a:solidFill>
-              <a:srgbClr val="607C8C"/>
-            </a:solidFill>
-          </a:ln>
-        </p:spPr>
-        <p:txBody>
-          <a:bodyPr wrap="square" rtlCol="0">
-            <a:spAutoFit/>
-          </a:bodyPr>
-          <a:lstStyle/>
-          <a:p>
-            <a:pPr algn="ctr"/>
-            <a:r>
-              <a:rPr lang="it-IT" sz="1200" b="1" dirty="0" smtClean="0">
-                <a:solidFill>
-                  <a:srgbClr val="607C8C"/>
-                </a:solidFill>
-                <a:latin typeface="Roboto Slab" charset="0"/>
-                <a:ea typeface="Roboto Slab" charset="0"/>
-                <a:cs typeface="Roboto Slab" charset="0"/>
-              </a:rPr>
-              <a:t>CODE</a:t>
-            </a:r>
-            <a:endParaRPr lang="it-IT" sz="1200" b="1" dirty="0">
-              <a:solidFill>
-                <a:srgbClr val="607C8C"/>
-              </a:solidFill>
-              <a:latin typeface="Roboto Slab" charset="0"/>
-              <a:ea typeface="Roboto Slab" charset="0"/>
-              <a:cs typeface="Roboto Slab" charset="0"/>
-            </a:endParaRPr>
           </a:p>
         </p:txBody>
       </p:sp>
@@ -22233,6 +22197,106 @@
           </a:p>
           <a:p>
             <a:endParaRPr lang="it-IT" dirty="0"/>
+          </a:p>
+        </p:txBody>
+      </p:sp>
+      <p:sp>
+        <p:nvSpPr>
+          <p:cNvPr id="7" name="CasellaDiTesto 6"/>
+          <p:cNvSpPr txBox="1"/>
+          <p:nvPr/>
+        </p:nvSpPr>
+        <p:spPr>
+          <a:xfrm>
+            <a:off x="4800600" y="4051763"/>
+            <a:ext cx="635000" cy="276999"/>
+          </a:xfrm>
+          <a:prstGeom prst="rect">
+            <a:avLst/>
+          </a:prstGeom>
+          <a:noFill/>
+          <a:ln w="12700">
+            <a:solidFill>
+              <a:srgbClr val="607C8C"/>
+            </a:solidFill>
+          </a:ln>
+        </p:spPr>
+        <p:txBody>
+          <a:bodyPr wrap="square" rtlCol="0">
+            <a:spAutoFit/>
+          </a:bodyPr>
+          <a:lstStyle/>
+          <a:p>
+            <a:pPr algn="ctr"/>
+            <a:r>
+              <a:rPr lang="it-IT" sz="1200" b="1" dirty="0" smtClean="0">
+                <a:solidFill>
+                  <a:srgbClr val="607C8C"/>
+                </a:solidFill>
+                <a:latin typeface="Roboto Slab" charset="0"/>
+                <a:ea typeface="Roboto Slab" charset="0"/>
+                <a:cs typeface="Roboto Slab" charset="0"/>
+              </a:rPr>
+              <a:t>CODE</a:t>
+            </a:r>
+            <a:endParaRPr lang="it-IT" sz="1200" b="1" dirty="0">
+              <a:solidFill>
+                <a:srgbClr val="607C8C"/>
+              </a:solidFill>
+              <a:latin typeface="Roboto Slab" charset="0"/>
+              <a:ea typeface="Roboto Slab" charset="0"/>
+              <a:cs typeface="Roboto Slab" charset="0"/>
+            </a:endParaRPr>
+          </a:p>
+        </p:txBody>
+      </p:sp>
+      <p:sp>
+        <p:nvSpPr>
+          <p:cNvPr id="16" name="CasellaDiTesto 15"/>
+          <p:cNvSpPr txBox="1"/>
+          <p:nvPr/>
+        </p:nvSpPr>
+        <p:spPr>
+          <a:xfrm>
+            <a:off x="7899400" y="5755485"/>
+            <a:ext cx="635000" cy="276999"/>
+          </a:xfrm>
+          <a:prstGeom prst="rect">
+            <a:avLst/>
+          </a:prstGeom>
+          <a:noFill/>
+          <a:ln w="12700">
+            <a:solidFill>
+              <a:srgbClr val="607C8C"/>
+            </a:solidFill>
+          </a:ln>
+        </p:spPr>
+        <p:txBody>
+          <a:bodyPr wrap="square" rtlCol="0">
+            <a:spAutoFit/>
+          </a:bodyPr>
+          <a:lstStyle/>
+          <a:p>
+            <a:pPr algn="ctr"/>
+            <a:r>
+              <a:rPr lang="it-IT" sz="1200" b="1" dirty="0" smtClean="0">
+                <a:solidFill>
+                  <a:srgbClr val="607C8C"/>
+                </a:solidFill>
+                <a:latin typeface="Roboto Slab" charset="0"/>
+                <a:ea typeface="Roboto Slab" charset="0"/>
+                <a:cs typeface="Roboto Slab" charset="0"/>
+              </a:rPr>
+              <a:t>CODE</a:t>
+            </a:r>
+            <a:endParaRPr lang="it-IT" sz="1200" b="1" dirty="0">
+              <a:solidFill>
+                <a:srgbClr val="607C8C"/>
+              </a:solidFill>
+              <a:latin typeface="Roboto Slab" charset="0"/>
+              <a:ea typeface="Roboto Slab" charset="0"/>
+              <a:cs typeface="Roboto Slab" charset="0"/>
+            </a:endParaRPr>
           </a:p>
         </p:txBody>
       </p:sp>
@@ -24610,7 +24674,7 @@
         <p:spPr>
           <a:xfrm>
             <a:off x="786150" y="1793101"/>
-            <a:ext cx="6503650" cy="830997"/>
+            <a:ext cx="6503650" cy="1077218"/>
           </a:xfrm>
           <a:prstGeom prst="rect">
             <a:avLst/>
@@ -24629,7 +24693,15 @@
                 <a:ea typeface="Source Sans Pro" charset="0"/>
                 <a:cs typeface="Source Sans Pro" charset="0"/>
               </a:rPr>
-              <a:t>Mentre dal lato master, dopo aver risposto alla richiesta del master si apre un </a:t>
+              <a:t>Mentre dal lato master, dopo aver risposto alla richiesta </a:t>
+            </a:r>
+            <a:r>
+              <a:rPr lang="it-IT" sz="1600" dirty="0" smtClean="0">
+                <a:latin typeface="Source Sans Pro" charset="0"/>
+                <a:ea typeface="Source Sans Pro" charset="0"/>
+                <a:cs typeface="Source Sans Pro" charset="0"/>
+              </a:rPr>
+              <a:t>dello </a:t>
             </a:r>
             <a:r>
               <a:rPr lang="it-IT" sz="1600" dirty="0" err="1" smtClean="0">
@@ -24637,7 +24709,7 @@
                 <a:ea typeface="Source Sans Pro" charset="0"/>
                 <a:cs typeface="Source Sans Pro" charset="0"/>
               </a:rPr>
-              <a:t>socket</a:t>
+              <a:t>sleave</a:t>
             </a:r>
             <a:r>
               <a:rPr lang="it-IT" sz="1600" dirty="0" smtClean="0">
@@ -24645,7 +24717,15 @@
                 <a:ea typeface="Source Sans Pro" charset="0"/>
                 <a:cs typeface="Source Sans Pro" charset="0"/>
               </a:rPr>
-              <a:t> TCP nel lato </a:t>
+              <a:t> si </a:t>
+            </a:r>
+            <a:r>
+              <a:rPr lang="it-IT" sz="1600" dirty="0" smtClean="0">
+                <a:latin typeface="Source Sans Pro" charset="0"/>
+                <a:ea typeface="Source Sans Pro" charset="0"/>
+                <a:cs typeface="Source Sans Pro" charset="0"/>
+              </a:rPr>
+              <a:t>apre un </a:t>
             </a:r>
             <a:r>
               <a:rPr lang="it-IT" sz="1600" dirty="0" err="1" smtClean="0">
@@ -24653,7 +24733,7 @@
                 <a:ea typeface="Source Sans Pro" charset="0"/>
                 <a:cs typeface="Source Sans Pro" charset="0"/>
               </a:rPr>
-              <a:t>sleave</a:t>
+              <a:t>socket</a:t>
             </a:r>
             <a:r>
               <a:rPr lang="it-IT" sz="1600" dirty="0" smtClean="0">
@@ -24661,7 +24741,55 @@
                 <a:ea typeface="Source Sans Pro" charset="0"/>
                 <a:cs typeface="Source Sans Pro" charset="0"/>
               </a:rPr>
-              <a:t>, ricevute le informazioni sui master presenti nella rete si da la possibilità all’utente di scegliere il destinatario del file.</a:t>
+              <a:t> </a:t>
+            </a:r>
+            <a:r>
+              <a:rPr lang="it-IT" sz="1600" dirty="0" smtClean="0">
+                <a:latin typeface="Source Sans Pro" charset="0"/>
+                <a:ea typeface="Source Sans Pro" charset="0"/>
+                <a:cs typeface="Source Sans Pro" charset="0"/>
+              </a:rPr>
+              <a:t>TCP, nel </a:t>
+            </a:r>
+            <a:r>
+              <a:rPr lang="it-IT" sz="1600" dirty="0" smtClean="0">
+                <a:latin typeface="Source Sans Pro" charset="0"/>
+                <a:ea typeface="Source Sans Pro" charset="0"/>
+                <a:cs typeface="Source Sans Pro" charset="0"/>
+              </a:rPr>
+              <a:t>lato </a:t>
+            </a:r>
+            <a:r>
+              <a:rPr lang="it-IT" sz="1600" dirty="0" err="1" smtClean="0">
+                <a:latin typeface="Source Sans Pro" charset="0"/>
+                <a:ea typeface="Source Sans Pro" charset="0"/>
+                <a:cs typeface="Source Sans Pro" charset="0"/>
+              </a:rPr>
+              <a:t>sleave</a:t>
+            </a:r>
+            <a:r>
+              <a:rPr lang="it-IT" sz="1600" dirty="0" smtClean="0">
+                <a:latin typeface="Source Sans Pro" charset="0"/>
+                <a:ea typeface="Source Sans Pro" charset="0"/>
+                <a:cs typeface="Source Sans Pro" charset="0"/>
+              </a:rPr>
+              <a:t>, ricevute le informazioni sui master presenti nella </a:t>
+            </a:r>
+            <a:r>
+              <a:rPr lang="it-IT" sz="1600" dirty="0" smtClean="0">
+                <a:latin typeface="Source Sans Pro" charset="0"/>
+                <a:ea typeface="Source Sans Pro" charset="0"/>
+                <a:cs typeface="Source Sans Pro" charset="0"/>
+              </a:rPr>
+              <a:t>rete, </a:t>
+            </a:r>
+            <a:r>
+              <a:rPr lang="it-IT" sz="1600" dirty="0" smtClean="0">
+                <a:latin typeface="Source Sans Pro" charset="0"/>
+                <a:ea typeface="Source Sans Pro" charset="0"/>
+                <a:cs typeface="Source Sans Pro" charset="0"/>
+              </a:rPr>
+              <a:t>si da la possibilità all’utente di scegliere il destinatario del file.</a:t>
             </a:r>
           </a:p>
         </p:txBody>
@@ -25840,20 +25968,44 @@
               <a:t>header</a:t>
             </a:r>
             <a:r>
+              <a:rPr lang="it-IT" sz="1600" smtClean="0">
+                <a:latin typeface="Source Sans Pro" charset="0"/>
+                <a:ea typeface="Source Sans Pro" charset="0"/>
+                <a:cs typeface="Source Sans Pro" charset="0"/>
+              </a:rPr>
+              <a:t> </a:t>
+            </a:r>
+            <a:r>
+              <a:rPr lang="it-IT" sz="1600" smtClean="0">
+                <a:latin typeface="Source Sans Pro" charset="0"/>
+                <a:ea typeface="Source Sans Pro" charset="0"/>
+                <a:cs typeface="Source Sans Pro" charset="0"/>
+              </a:rPr>
+              <a:t>contente </a:t>
+            </a:r>
+            <a:r>
               <a:rPr lang="it-IT" sz="1600" dirty="0" smtClean="0">
                 <a:latin typeface="Source Sans Pro" charset="0"/>
                 <a:ea typeface="Source Sans Pro" charset="0"/>
                 <a:cs typeface="Source Sans Pro" charset="0"/>
               </a:rPr>
-              <a:t> </a:t>
-            </a:r>
-            <a:r>
-              <a:rPr lang="it-IT" sz="1600" dirty="0" err="1" smtClean="0">
+              <a:t>le informazioni relative al nome utente e al file da inviare, nella master mode</a:t>
+            </a:r>
+            <a:r>
+              <a:rPr lang="it-IT" sz="1600" smtClean="0">
                 <a:latin typeface="Source Sans Pro" charset="0"/>
                 <a:ea typeface="Source Sans Pro" charset="0"/>
                 <a:cs typeface="Source Sans Pro" charset="0"/>
               </a:rPr>
-              <a:t>contene</a:t>
+              <a:t>, </a:t>
+            </a:r>
+            <a:r>
+              <a:rPr lang="it-IT" sz="1600" smtClean="0">
+                <a:latin typeface="Source Sans Pro" charset="0"/>
+                <a:ea typeface="Source Sans Pro" charset="0"/>
+                <a:cs typeface="Source Sans Pro" charset="0"/>
+              </a:rPr>
+              <a:t>invece, </a:t>
             </a:r>
             <a:r>
               <a:rPr lang="it-IT" sz="1600" dirty="0" smtClean="0">
@@ -25861,7 +26013,7 @@
                 <a:ea typeface="Source Sans Pro" charset="0"/>
                 <a:cs typeface="Source Sans Pro" charset="0"/>
               </a:rPr>
-              <a:t> le informazioni relative al nome utente e al file da inviare, nella master mode, invece si da la possibilità all’utente di accettare o meno il file.</a:t>
+              <a:t>si da la possibilità all’utente di accettare o meno il file.</a:t>
             </a:r>
           </a:p>
         </p:txBody>
@@ -29162,11 +29314,6 @@
               </a:rPr>
               <a:t>.</a:t>
             </a:r>
-            <a:endParaRPr lang="it-IT" dirty="0" smtClean="0">
-              <a:latin typeface="Source Sans Pro" charset="0"/>
-              <a:ea typeface="Source Sans Pro" charset="0"/>
-              <a:cs typeface="Source Sans Pro" charset="0"/>
-            </a:endParaRPr>
           </a:p>
         </p:txBody>
       </p:sp>
@@ -34721,7 +34868,11 @@
             </a:pPr>
             <a:r>
               <a:rPr lang="it-IT" dirty="0" smtClean="0"/>
-              <a:t>Motivazione e obiettivi del progetto</a:t>
+              <a:t>Motivazioni </a:t>
+            </a:r>
+            <a:r>
+              <a:rPr lang="it-IT" dirty="0" smtClean="0"/>
+              <a:t>e obiettivi del progetto</a:t>
             </a:r>
             <a:endParaRPr lang="en" dirty="0"/>
           </a:p>
@@ -35509,7 +35660,31 @@
             </a:pPr>
             <a:r>
               <a:rPr lang="it-IT" sz="2600" dirty="0" smtClean="0"/>
-              <a:t>Quante volte capita in casa o in ufficio di doversi inviare dei file da un computer all’altro?</a:t>
+              <a:t>Quante volte </a:t>
+            </a:r>
+            <a:r>
+              <a:rPr lang="it-IT" sz="2600" dirty="0" smtClean="0"/>
+              <a:t>capita, </a:t>
+            </a:r>
+            <a:r>
+              <a:rPr lang="it-IT" sz="2600" dirty="0" smtClean="0"/>
+              <a:t>in casa o in </a:t>
+            </a:r>
+            <a:r>
+              <a:rPr lang="it-IT" sz="2600" dirty="0" smtClean="0"/>
+              <a:t>ufficio, </a:t>
+            </a:r>
+            <a:r>
+              <a:rPr lang="it-IT" sz="2600" dirty="0" smtClean="0"/>
+              <a:t>di </a:t>
+            </a:r>
+            <a:r>
+              <a:rPr lang="it-IT" sz="2600" dirty="0" smtClean="0"/>
+              <a:t>dover </a:t>
+            </a:r>
+            <a:r>
+              <a:rPr lang="it-IT" sz="2600" dirty="0" smtClean="0"/>
+              <a:t>inviare dei file da un computer all’altro?</a:t>
             </a:r>
           </a:p>
         </p:txBody>
@@ -35847,7 +36022,15 @@
             </a:pPr>
             <a:r>
               <a:rPr lang="it-IT" dirty="0" smtClean="0"/>
-              <a:t>Sviluppare una applicazione che permetta lo scambio di file tramite la rete locale</a:t>
+              <a:t>Sviluppare </a:t>
+            </a:r>
+            <a:r>
+              <a:rPr lang="it-IT" dirty="0" smtClean="0"/>
+              <a:t>un’ </a:t>
+            </a:r>
+            <a:r>
+              <a:rPr lang="it-IT" dirty="0" smtClean="0"/>
+              <a:t>applicazione che permetta lo scambio di file tramite la rete locale</a:t>
             </a:r>
           </a:p>
           <a:p>

--- a/Presentation slides/Presentazione.pptx
+++ b/Presentation slides/Presentazione.pptx
@@ -6805,8 +6805,8 @@
               <a:buNone/>
             </a:pPr>
             <a:r>
-              <a:rPr lang="it-IT" sz="2400" dirty="0" err="1" smtClean="0"/>
-              <a:t>Sleave</a:t>
+              <a:rPr lang="it-IT" sz="2400" dirty="0" smtClean="0"/>
+              <a:t>Slave</a:t>
             </a:r>
             <a:endParaRPr lang="en" sz="2400" dirty="0"/>
           </a:p>
@@ -6848,12 +6848,12 @@
               <a:t>Entrati in </a:t>
             </a:r>
             <a:r>
-              <a:rPr lang="it-IT" sz="1600" dirty="0" err="1" smtClean="0"/>
-              <a:t>sleave</a:t>
-            </a:r>
-            <a:r>
               <a:rPr lang="it-IT" sz="1600" dirty="0" smtClean="0"/>
-              <a:t> mode l’applicazione esegue alcuni semplici passi:</a:t>
+              <a:t>slave </a:t>
+            </a:r>
+            <a:r>
+              <a:rPr lang="it-IT" sz="1600" dirty="0" smtClean="0"/>
+              <a:t>mode l’applicazione esegue alcuni semplici passi:</a:t>
             </a:r>
             <a:endParaRPr lang="en" sz="1600" dirty="0" smtClean="0"/>
           </a:p>
@@ -7238,8 +7238,8 @@
               <a:t> UDP in attesa di eventuali richieste da parte di uno </a:t>
             </a:r>
             <a:r>
-              <a:rPr lang="it-IT" sz="2000" dirty="0" err="1" smtClean="0"/>
-              <a:t>sleave</a:t>
+              <a:rPr lang="it-IT" sz="2000" dirty="0" smtClean="0"/>
+              <a:t>slave</a:t>
             </a:r>
             <a:endParaRPr lang="it-IT" sz="2000" dirty="0" smtClean="0"/>
           </a:p>
@@ -7258,12 +7258,12 @@
               <a:t>Risponde alla richiesta dello </a:t>
             </a:r>
             <a:r>
-              <a:rPr lang="it-IT" sz="2000" dirty="0" err="1" smtClean="0"/>
-              <a:t>sleave</a:t>
-            </a:r>
-            <a:r>
               <a:rPr lang="it-IT" sz="2000" dirty="0" smtClean="0"/>
-              <a:t> comunicando il proprio nome</a:t>
+              <a:t>slave </a:t>
+            </a:r>
+            <a:r>
+              <a:rPr lang="it-IT" sz="2000" dirty="0" smtClean="0"/>
+              <a:t>comunicando il proprio nome</a:t>
             </a:r>
           </a:p>
           <a:p>
@@ -11922,12 +11922,6 @@
               </a:rPr>
               <a:t>	  </a:t>
             </a:r>
-            <a:endParaRPr lang="it-IT" sz="1200" dirty="0" smtClean="0">
-              <a:highlight>
-                <a:srgbClr val="FFFFFF"/>
-              </a:highlight>
-              <a:latin typeface="Courier New" charset="0"/>
-            </a:endParaRPr>
           </a:p>
           <a:p>
             <a:r>
@@ -23394,16 +23388,12 @@
               <a:t>: avvio Master mode e </a:t>
             </a:r>
             <a:r>
-              <a:rPr lang="it-IT" sz="2400" dirty="0" err="1"/>
-              <a:t>S</a:t>
-            </a:r>
-            <a:r>
-              <a:rPr lang="it-IT" sz="2400" dirty="0" err="1" smtClean="0"/>
-              <a:t>leave</a:t>
-            </a:r>
-            <a:r>
               <a:rPr lang="it-IT" sz="2400" dirty="0" smtClean="0"/>
-              <a:t> mode</a:t>
+              <a:t>Slave </a:t>
+            </a:r>
+            <a:r>
+              <a:rPr lang="it-IT" sz="2400" dirty="0" smtClean="0"/>
+              <a:t>mode</a:t>
             </a:r>
             <a:endParaRPr lang="en" sz="2400" dirty="0"/>
           </a:p>
@@ -23473,20 +23463,20 @@
               <a:t>Durante le prove sono state sfruttate le diverse porte utilizzate dalla </a:t>
             </a:r>
             <a:r>
-              <a:rPr lang="it-IT" sz="1600" dirty="0" err="1" smtClean="0">
-                <a:latin typeface="Source Sans Pro" charset="0"/>
-                <a:ea typeface="Source Sans Pro" charset="0"/>
-                <a:cs typeface="Source Sans Pro" charset="0"/>
-              </a:rPr>
-              <a:t>sleave</a:t>
-            </a:r>
-            <a:r>
               <a:rPr lang="it-IT" sz="1600" dirty="0" smtClean="0">
                 <a:latin typeface="Source Sans Pro" charset="0"/>
                 <a:ea typeface="Source Sans Pro" charset="0"/>
                 <a:cs typeface="Source Sans Pro" charset="0"/>
               </a:rPr>
-              <a:t> mode e dalla master mode, è stato possibile testare la correttezza dei risultati semplicemente utilizzando due terminali.</a:t>
+              <a:t>slave </a:t>
+            </a:r>
+            <a:r>
+              <a:rPr lang="it-IT" sz="1600" dirty="0" smtClean="0">
+                <a:latin typeface="Source Sans Pro" charset="0"/>
+                <a:ea typeface="Source Sans Pro" charset="0"/>
+                <a:cs typeface="Source Sans Pro" charset="0"/>
+              </a:rPr>
+              <a:t>mode e dalla master mode, è stato possibile testare la correttezza dei risultati semplicemente utilizzando due terminali.</a:t>
             </a:r>
           </a:p>
         </p:txBody>
@@ -24674,7 +24664,7 @@
         <p:spPr>
           <a:xfrm>
             <a:off x="786150" y="1793101"/>
-            <a:ext cx="6503650" cy="1077218"/>
+            <a:ext cx="6503650" cy="830997"/>
           </a:xfrm>
           <a:prstGeom prst="rect">
             <a:avLst/>
@@ -24693,7 +24683,7 @@
                 <a:ea typeface="Source Sans Pro" charset="0"/>
                 <a:cs typeface="Source Sans Pro" charset="0"/>
               </a:rPr>
-              <a:t>Mentre dal lato master, dopo aver risposto alla richiesta </a:t>
+              <a:t>Mentre dal lato master, dopo aver risposto alla richiesta dello </a:t>
             </a:r>
             <a:r>
               <a:rPr lang="it-IT" sz="1600" dirty="0" smtClean="0">
@@ -24701,7 +24691,15 @@
                 <a:ea typeface="Source Sans Pro" charset="0"/>
                 <a:cs typeface="Source Sans Pro" charset="0"/>
               </a:rPr>
-              <a:t>dello </a:t>
+              <a:t>slave </a:t>
+            </a:r>
+            <a:r>
+              <a:rPr lang="it-IT" sz="1600" dirty="0" smtClean="0">
+                <a:latin typeface="Source Sans Pro" charset="0"/>
+                <a:ea typeface="Source Sans Pro" charset="0"/>
+                <a:cs typeface="Source Sans Pro" charset="0"/>
+              </a:rPr>
+              <a:t>si apre un </a:t>
             </a:r>
             <a:r>
               <a:rPr lang="it-IT" sz="1600" dirty="0" err="1" smtClean="0">
@@ -24709,7 +24707,7 @@
                 <a:ea typeface="Source Sans Pro" charset="0"/>
                 <a:cs typeface="Source Sans Pro" charset="0"/>
               </a:rPr>
-              <a:t>sleave</a:t>
+              <a:t>socket</a:t>
             </a:r>
             <a:r>
               <a:rPr lang="it-IT" sz="1600" dirty="0" smtClean="0">
@@ -24717,7 +24715,7 @@
                 <a:ea typeface="Source Sans Pro" charset="0"/>
                 <a:cs typeface="Source Sans Pro" charset="0"/>
               </a:rPr>
-              <a:t> si </a:t>
+              <a:t> TCP, nel lato </a:t>
             </a:r>
             <a:r>
               <a:rPr lang="it-IT" sz="1600" dirty="0" smtClean="0">
@@ -24725,15 +24723,7 @@
                 <a:ea typeface="Source Sans Pro" charset="0"/>
                 <a:cs typeface="Source Sans Pro" charset="0"/>
               </a:rPr>
-              <a:t>apre un </a:t>
-            </a:r>
-            <a:r>
-              <a:rPr lang="it-IT" sz="1600" dirty="0" err="1" smtClean="0">
-                <a:latin typeface="Source Sans Pro" charset="0"/>
-                <a:ea typeface="Source Sans Pro" charset="0"/>
-                <a:cs typeface="Source Sans Pro" charset="0"/>
-              </a:rPr>
-              <a:t>socket</a:t>
+              <a:t>slave</a:t>
             </a:r>
             <a:r>
               <a:rPr lang="it-IT" sz="1600" dirty="0" smtClean="0">
@@ -24741,55 +24731,7 @@
                 <a:ea typeface="Source Sans Pro" charset="0"/>
                 <a:cs typeface="Source Sans Pro" charset="0"/>
               </a:rPr>
-              <a:t> </a:t>
-            </a:r>
-            <a:r>
-              <a:rPr lang="it-IT" sz="1600" dirty="0" smtClean="0">
-                <a:latin typeface="Source Sans Pro" charset="0"/>
-                <a:ea typeface="Source Sans Pro" charset="0"/>
-                <a:cs typeface="Source Sans Pro" charset="0"/>
-              </a:rPr>
-              <a:t>TCP, nel </a:t>
-            </a:r>
-            <a:r>
-              <a:rPr lang="it-IT" sz="1600" dirty="0" smtClean="0">
-                <a:latin typeface="Source Sans Pro" charset="0"/>
-                <a:ea typeface="Source Sans Pro" charset="0"/>
-                <a:cs typeface="Source Sans Pro" charset="0"/>
-              </a:rPr>
-              <a:t>lato </a:t>
-            </a:r>
-            <a:r>
-              <a:rPr lang="it-IT" sz="1600" dirty="0" err="1" smtClean="0">
-                <a:latin typeface="Source Sans Pro" charset="0"/>
-                <a:ea typeface="Source Sans Pro" charset="0"/>
-                <a:cs typeface="Source Sans Pro" charset="0"/>
-              </a:rPr>
-              <a:t>sleave</a:t>
-            </a:r>
-            <a:r>
-              <a:rPr lang="it-IT" sz="1600" dirty="0" smtClean="0">
-                <a:latin typeface="Source Sans Pro" charset="0"/>
-                <a:ea typeface="Source Sans Pro" charset="0"/>
-                <a:cs typeface="Source Sans Pro" charset="0"/>
-              </a:rPr>
-              <a:t>, ricevute le informazioni sui master presenti nella </a:t>
-            </a:r>
-            <a:r>
-              <a:rPr lang="it-IT" sz="1600" dirty="0" smtClean="0">
-                <a:latin typeface="Source Sans Pro" charset="0"/>
-                <a:ea typeface="Source Sans Pro" charset="0"/>
-                <a:cs typeface="Source Sans Pro" charset="0"/>
-              </a:rPr>
-              <a:t>rete, </a:t>
-            </a:r>
-            <a:r>
-              <a:rPr lang="it-IT" sz="1600" dirty="0" smtClean="0">
-                <a:latin typeface="Source Sans Pro" charset="0"/>
-                <a:ea typeface="Source Sans Pro" charset="0"/>
-                <a:cs typeface="Source Sans Pro" charset="0"/>
-              </a:rPr>
-              <a:t>si da la possibilità all’utente di scegliere il destinatario del file.</a:t>
+              <a:t>, ricevute le informazioni sui master presenti nella rete, si da la possibilità all’utente di scegliere il destinatario del file.</a:t>
             </a:r>
           </a:p>
         </p:txBody>
@@ -25944,12 +25886,28 @@
               <a:t>Nella </a:t>
             </a:r>
             <a:r>
+              <a:rPr lang="it-IT" sz="1600" dirty="0" smtClean="0">
+                <a:latin typeface="Source Sans Pro" charset="0"/>
+                <a:ea typeface="Source Sans Pro" charset="0"/>
+                <a:cs typeface="Source Sans Pro" charset="0"/>
+              </a:rPr>
+              <a:t>slave </a:t>
+            </a:r>
+            <a:r>
+              <a:rPr lang="it-IT" sz="1600" dirty="0" smtClean="0">
+                <a:latin typeface="Source Sans Pro" charset="0"/>
+                <a:ea typeface="Source Sans Pro" charset="0"/>
+                <a:cs typeface="Source Sans Pro" charset="0"/>
+              </a:rPr>
+              <a:t>mode possiamo notare come sia stato inviato l’</a:t>
+            </a:r>
+            <a:r>
               <a:rPr lang="it-IT" sz="1600" dirty="0" err="1" smtClean="0">
                 <a:latin typeface="Source Sans Pro" charset="0"/>
                 <a:ea typeface="Source Sans Pro" charset="0"/>
                 <a:cs typeface="Source Sans Pro" charset="0"/>
               </a:rPr>
-              <a:t>sleave</a:t>
+              <a:t>header</a:t>
             </a:r>
             <a:r>
               <a:rPr lang="it-IT" sz="1600" dirty="0" smtClean="0">
@@ -25957,63 +25915,7 @@
                 <a:ea typeface="Source Sans Pro" charset="0"/>
                 <a:cs typeface="Source Sans Pro" charset="0"/>
               </a:rPr>
-              <a:t> mode possiamo notare come sia stato inviato l’</a:t>
-            </a:r>
-            <a:r>
-              <a:rPr lang="it-IT" sz="1600" dirty="0" err="1" smtClean="0">
-                <a:latin typeface="Source Sans Pro" charset="0"/>
-                <a:ea typeface="Source Sans Pro" charset="0"/>
-                <a:cs typeface="Source Sans Pro" charset="0"/>
-              </a:rPr>
-              <a:t>header</a:t>
-            </a:r>
-            <a:r>
-              <a:rPr lang="it-IT" sz="1600" smtClean="0">
-                <a:latin typeface="Source Sans Pro" charset="0"/>
-                <a:ea typeface="Source Sans Pro" charset="0"/>
-                <a:cs typeface="Source Sans Pro" charset="0"/>
-              </a:rPr>
-              <a:t> </a:t>
-            </a:r>
-            <a:r>
-              <a:rPr lang="it-IT" sz="1600" smtClean="0">
-                <a:latin typeface="Source Sans Pro" charset="0"/>
-                <a:ea typeface="Source Sans Pro" charset="0"/>
-                <a:cs typeface="Source Sans Pro" charset="0"/>
-              </a:rPr>
-              <a:t>contente </a:t>
-            </a:r>
-            <a:r>
-              <a:rPr lang="it-IT" sz="1600" dirty="0" smtClean="0">
-                <a:latin typeface="Source Sans Pro" charset="0"/>
-                <a:ea typeface="Source Sans Pro" charset="0"/>
-                <a:cs typeface="Source Sans Pro" charset="0"/>
-              </a:rPr>
-              <a:t>le informazioni relative al nome utente e al file da inviare, nella master mode</a:t>
-            </a:r>
-            <a:r>
-              <a:rPr lang="it-IT" sz="1600" smtClean="0">
-                <a:latin typeface="Source Sans Pro" charset="0"/>
-                <a:ea typeface="Source Sans Pro" charset="0"/>
-                <a:cs typeface="Source Sans Pro" charset="0"/>
-              </a:rPr>
-              <a:t>, </a:t>
-            </a:r>
-            <a:r>
-              <a:rPr lang="it-IT" sz="1600" smtClean="0">
-                <a:latin typeface="Source Sans Pro" charset="0"/>
-                <a:ea typeface="Source Sans Pro" charset="0"/>
-                <a:cs typeface="Source Sans Pro" charset="0"/>
-              </a:rPr>
-              <a:t>invece, </a:t>
-            </a:r>
-            <a:r>
-              <a:rPr lang="it-IT" sz="1600" dirty="0" smtClean="0">
-                <a:latin typeface="Source Sans Pro" charset="0"/>
-                <a:ea typeface="Source Sans Pro" charset="0"/>
-                <a:cs typeface="Source Sans Pro" charset="0"/>
-              </a:rPr>
-              <a:t>si da la possibilità all’utente di accettare o meno il file.</a:t>
+              <a:t> contente le informazioni relative al nome utente e al file da inviare, nella master mode, invece, si da la possibilità all’utente di accettare o meno il file.</a:t>
             </a:r>
           </a:p>
         </p:txBody>
@@ -34868,11 +34770,7 @@
             </a:pPr>
             <a:r>
               <a:rPr lang="it-IT" dirty="0" smtClean="0"/>
-              <a:t>Motivazioni </a:t>
-            </a:r>
-            <a:r>
-              <a:rPr lang="it-IT" dirty="0" smtClean="0"/>
-              <a:t>e obiettivi del progetto</a:t>
+              <a:t>Motivazioni e obiettivi del progetto</a:t>
             </a:r>
             <a:endParaRPr lang="en" dirty="0"/>
           </a:p>
@@ -35660,31 +35558,7 @@
             </a:pPr>
             <a:r>
               <a:rPr lang="it-IT" sz="2600" dirty="0" smtClean="0"/>
-              <a:t>Quante volte </a:t>
-            </a:r>
-            <a:r>
-              <a:rPr lang="it-IT" sz="2600" dirty="0" smtClean="0"/>
-              <a:t>capita, </a:t>
-            </a:r>
-            <a:r>
-              <a:rPr lang="it-IT" sz="2600" dirty="0" smtClean="0"/>
-              <a:t>in casa o in </a:t>
-            </a:r>
-            <a:r>
-              <a:rPr lang="it-IT" sz="2600" dirty="0" smtClean="0"/>
-              <a:t>ufficio, </a:t>
-            </a:r>
-            <a:r>
-              <a:rPr lang="it-IT" sz="2600" dirty="0" smtClean="0"/>
-              <a:t>di </a:t>
-            </a:r>
-            <a:r>
-              <a:rPr lang="it-IT" sz="2600" dirty="0" smtClean="0"/>
-              <a:t>dover </a:t>
-            </a:r>
-            <a:r>
-              <a:rPr lang="it-IT" sz="2600" dirty="0" smtClean="0"/>
-              <a:t>inviare dei file da un computer all’altro?</a:t>
+              <a:t>Quante volte capita, in casa o in ufficio, di dover inviare dei file da un computer all’altro?</a:t>
             </a:r>
           </a:p>
         </p:txBody>
@@ -36022,15 +35896,7 @@
             </a:pPr>
             <a:r>
               <a:rPr lang="it-IT" dirty="0" smtClean="0"/>
-              <a:t>Sviluppare </a:t>
-            </a:r>
-            <a:r>
-              <a:rPr lang="it-IT" dirty="0" smtClean="0"/>
-              <a:t>un’ </a:t>
-            </a:r>
-            <a:r>
-              <a:rPr lang="it-IT" dirty="0" smtClean="0"/>
-              <a:t>applicazione che permetta lo scambio di file tramite la rete locale</a:t>
+              <a:t>Sviluppare un’ applicazione che permetta lo scambio di file tramite la rete locale</a:t>
             </a:r>
           </a:p>
           <a:p>
@@ -38186,8 +38052,8 @@
               <a:buNone/>
             </a:pPr>
             <a:r>
-              <a:rPr lang="it-IT" b="1" dirty="0" err="1" smtClean="0"/>
-              <a:t>Sleave</a:t>
+              <a:rPr lang="it-IT" b="1" dirty="0" smtClean="0"/>
+              <a:t>Slave</a:t>
             </a:r>
             <a:endParaRPr lang="en" b="1" dirty="0"/>
           </a:p>
@@ -38280,8 +38146,8 @@
               <a:t> </a:t>
             </a:r>
             <a:r>
-              <a:rPr lang="en" sz="2000" dirty="0" err="1" smtClean="0"/>
-              <a:t>sleave</a:t>
+              <a:rPr lang="en" sz="2000" dirty="0" smtClean="0"/>
+              <a:t>slave</a:t>
             </a:r>
             <a:r>
               <a:rPr lang="it-IT" sz="2000" dirty="0" smtClean="0"/>
